--- a/Nhóm 5.pptx
+++ b/Nhóm 5.pptx
@@ -27612,14 +27612,89 @@
           <a:lstStyle/>
           <a:p>
             <a:r>
-              <a:rPr lang="vi-VN" smtClean="0"/>
+              <a:rPr lang="vi-VN" dirty="0" smtClean="0"/>
               <a:t>Ư</a:t>
             </a:r>
             <a:r>
-              <a:rPr lang="en-US" smtClean="0"/>
-              <a:t>ớc mơ Nghề nghiệp tương lai </a:t>
+              <a:rPr lang="en-US" dirty="0" err="1" smtClean="0"/>
+              <a:t>ớc</a:t>
             </a:r>
-            <a:endParaRPr lang="en-US"/>
+            <a:r>
+              <a:rPr lang="en-US" dirty="0" smtClean="0"/>
+              <a:t> </a:t>
+            </a:r>
+            <a:r>
+              <a:rPr lang="en-US" dirty="0" err="1" smtClean="0"/>
+              <a:t>mơ</a:t>
+            </a:r>
+            <a:r>
+              <a:rPr lang="en-US" dirty="0" smtClean="0"/>
+              <a:t> </a:t>
+            </a:r>
+            <a:r>
+              <a:rPr lang="en-US" dirty="0" err="1" smtClean="0"/>
+              <a:t>Nghề</a:t>
+            </a:r>
+            <a:r>
+              <a:rPr lang="en-US" dirty="0" smtClean="0"/>
+              <a:t> </a:t>
+            </a:r>
+            <a:r>
+              <a:rPr lang="en-US" dirty="0" err="1" smtClean="0"/>
+              <a:t>nghiệp</a:t>
+            </a:r>
+            <a:r>
+              <a:rPr lang="en-US" dirty="0" smtClean="0"/>
+              <a:t> </a:t>
+            </a:r>
+            <a:r>
+              <a:rPr lang="en-US" dirty="0" err="1" smtClean="0"/>
+              <a:t>tương</a:t>
+            </a:r>
+            <a:r>
+              <a:rPr lang="en-US" dirty="0" smtClean="0"/>
+              <a:t> </a:t>
+            </a:r>
+            <a:r>
+              <a:rPr lang="en-US" dirty="0" err="1" smtClean="0"/>
+              <a:t>lai</a:t>
+            </a:r>
+            <a:r>
+              <a:rPr lang="en-US" dirty="0" smtClean="0"/>
+              <a:t> </a:t>
+            </a:r>
+            <a:endParaRPr lang="en-US" dirty="0" smtClean="0"/>
+          </a:p>
+          <a:p>
+            <a:r>
+              <a:rPr lang="en-US" dirty="0" smtClean="0"/>
+              <a:t>Ho </a:t>
+            </a:r>
+            <a:r>
+              <a:rPr lang="en-US" dirty="0" err="1" smtClean="0"/>
+              <a:t>hai</a:t>
+            </a:r>
+            <a:r>
+              <a:rPr lang="en-US" dirty="0" smtClean="0"/>
+              <a:t> </a:t>
+            </a:r>
+            <a:r>
+              <a:rPr lang="en-US" dirty="0" err="1" smtClean="0"/>
+              <a:t>dep</a:t>
+            </a:r>
+            <a:r>
+              <a:rPr lang="en-US" dirty="0" smtClean="0"/>
+              <a:t> </a:t>
+            </a:r>
+            <a:r>
+              <a:rPr lang="en-US" dirty="0" err="1" smtClean="0"/>
+              <a:t>trai</a:t>
+            </a:r>
+            <a:r>
+              <a:rPr lang="en-US" dirty="0" smtClean="0"/>
+              <a:t> </a:t>
+            </a:r>
+            <a:endParaRPr lang="en-US" dirty="0"/>
           </a:p>
         </p:txBody>
       </p:sp>
@@ -27639,8 +27714,16 @@
           <a:lstStyle/>
           <a:p>
             <a:r>
+              <a:rPr lang="en-US" dirty="0" err="1" smtClean="0"/>
+              <a:t>Giới</a:t>
+            </a:r>
+            <a:r>
+              <a:rPr lang="en-US" dirty="0" smtClean="0"/>
+              <a:t> </a:t>
+            </a:r>
+            <a:r>
               <a:rPr lang="en-US" smtClean="0"/>
-              <a:t>Giới Thiệu</a:t>
+              <a:t>Thiệu</a:t>
             </a:r>
             <a:endParaRPr lang="en-US"/>
           </a:p>

--- a/Nhóm 5.pptx
+++ b/Nhóm 5.pptx
@@ -6743,6 +6743,642 @@
       <dsp:cNvGrpSpPr/>
     </dsp:nvGrpSpPr>
     <dsp:grpSpPr/>
+    <dsp:sp modelId="{23B5AB81-4DA7-4954-AEC9-E047BD8E2A08}">
+      <dsp:nvSpPr>
+        <dsp:cNvPr id="0" name=""/>
+        <dsp:cNvSpPr/>
+      </dsp:nvSpPr>
+      <dsp:spPr>
+        <a:xfrm>
+          <a:off x="0" y="378300"/>
+          <a:ext cx="8001000" cy="630000"/>
+        </a:xfrm>
+        <a:prstGeom prst="rect">
+          <a:avLst/>
+        </a:prstGeom>
+        <a:solidFill>
+          <a:schemeClr val="lt1">
+            <a:alpha val="90000"/>
+            <a:hueOff val="0"/>
+            <a:satOff val="0"/>
+            <a:lumOff val="0"/>
+            <a:alphaOff val="0"/>
+          </a:schemeClr>
+        </a:solidFill>
+        <a:ln w="9525" cap="flat" cmpd="sng" algn="ctr">
+          <a:solidFill>
+            <a:schemeClr val="accent1">
+              <a:hueOff val="0"/>
+              <a:satOff val="0"/>
+              <a:lumOff val="0"/>
+              <a:alphaOff val="0"/>
+            </a:schemeClr>
+          </a:solidFill>
+          <a:prstDash val="solid"/>
+        </a:ln>
+        <a:effectLst/>
+      </dsp:spPr>
+      <dsp:style>
+        <a:lnRef idx="1">
+          <a:scrgbClr r="0" g="0" b="0"/>
+        </a:lnRef>
+        <a:fillRef idx="1">
+          <a:scrgbClr r="0" g="0" b="0"/>
+        </a:fillRef>
+        <a:effectRef idx="0">
+          <a:scrgbClr r="0" g="0" b="0"/>
+        </a:effectRef>
+        <a:fontRef idx="minor"/>
+      </dsp:style>
+    </dsp:sp>
+    <dsp:sp modelId="{A755E076-DF67-47EA-972A-CA36B685A5D7}">
+      <dsp:nvSpPr>
+        <dsp:cNvPr id="0" name=""/>
+        <dsp:cNvSpPr/>
+      </dsp:nvSpPr>
+      <dsp:spPr>
+        <a:xfrm>
+          <a:off x="400050" y="9300"/>
+          <a:ext cx="5600700" cy="738000"/>
+        </a:xfrm>
+        <a:prstGeom prst="roundRect">
+          <a:avLst/>
+        </a:prstGeom>
+        <a:gradFill rotWithShape="0">
+          <a:gsLst>
+            <a:gs pos="0">
+              <a:schemeClr val="accent1">
+                <a:hueOff val="0"/>
+                <a:satOff val="0"/>
+                <a:lumOff val="0"/>
+                <a:alphaOff val="0"/>
+                <a:tint val="0"/>
+              </a:schemeClr>
+            </a:gs>
+            <a:gs pos="44000">
+              <a:schemeClr val="accent1">
+                <a:hueOff val="0"/>
+                <a:satOff val="0"/>
+                <a:lumOff val="0"/>
+                <a:alphaOff val="0"/>
+                <a:tint val="60000"/>
+                <a:satMod val="120000"/>
+              </a:schemeClr>
+            </a:gs>
+            <a:gs pos="100000">
+              <a:schemeClr val="accent1">
+                <a:hueOff val="0"/>
+                <a:satOff val="0"/>
+                <a:lumOff val="0"/>
+                <a:alphaOff val="0"/>
+                <a:tint val="90000"/>
+                <a:alpha val="100000"/>
+                <a:lumMod val="90000"/>
+              </a:schemeClr>
+            </a:gs>
+          </a:gsLst>
+          <a:lin ang="5400000" scaled="0"/>
+        </a:gradFill>
+        <a:ln>
+          <a:noFill/>
+        </a:ln>
+        <a:effectLst/>
+        <a:scene3d>
+          <a:camera prst="orthographicFront"/>
+          <a:lightRig rig="flat" dir="t"/>
+        </a:scene3d>
+        <a:sp3d prstMaterial="dkEdge">
+          <a:bevelT w="8200" h="38100"/>
+        </a:sp3d>
+      </dsp:spPr>
+      <dsp:style>
+        <a:lnRef idx="0">
+          <a:scrgbClr r="0" g="0" b="0"/>
+        </a:lnRef>
+        <a:fillRef idx="2">
+          <a:scrgbClr r="0" g="0" b="0"/>
+        </a:fillRef>
+        <a:effectRef idx="1">
+          <a:scrgbClr r="0" g="0" b="0"/>
+        </a:effectRef>
+        <a:fontRef idx="minor">
+          <a:schemeClr val="dk1"/>
+        </a:fontRef>
+      </dsp:style>
+      <dsp:txBody>
+        <a:bodyPr spcFirstLastPara="0" vert="horz" wrap="square" lIns="211693" tIns="0" rIns="211693" bIns="0" numCol="1" spcCol="1270" anchor="ctr" anchorCtr="0">
+          <a:noAutofit/>
+        </a:bodyPr>
+        <a:lstStyle/>
+        <a:p>
+          <a:pPr lvl="0" algn="l" defTabSz="1111250">
+            <a:lnSpc>
+              <a:spcPct val="90000"/>
+            </a:lnSpc>
+            <a:spcBef>
+              <a:spcPct val="0"/>
+            </a:spcBef>
+            <a:spcAft>
+              <a:spcPct val="35000"/>
+            </a:spcAft>
+          </a:pPr>
+          <a:r>
+            <a:rPr lang="en-US" sz="2500" kern="1200" smtClean="0">
+              <a:solidFill>
+                <a:schemeClr val="tx1"/>
+              </a:solidFill>
+            </a:rPr>
+            <a:t>1. Giới thiệu:</a:t>
+          </a:r>
+          <a:endParaRPr lang="en-US" sz="2500" kern="1200">
+            <a:solidFill>
+              <a:schemeClr val="tx1"/>
+            </a:solidFill>
+          </a:endParaRPr>
+        </a:p>
+      </dsp:txBody>
+      <dsp:txXfrm>
+        <a:off x="436076" y="45326"/>
+        <a:ext cx="5528648" cy="665948"/>
+      </dsp:txXfrm>
+    </dsp:sp>
+    <dsp:sp modelId="{9A1CDA05-908A-4410-B0EE-78A89407C41A}">
+      <dsp:nvSpPr>
+        <dsp:cNvPr id="0" name=""/>
+        <dsp:cNvSpPr/>
+      </dsp:nvSpPr>
+      <dsp:spPr>
+        <a:xfrm>
+          <a:off x="0" y="1512300"/>
+          <a:ext cx="8001000" cy="630000"/>
+        </a:xfrm>
+        <a:prstGeom prst="rect">
+          <a:avLst/>
+        </a:prstGeom>
+        <a:solidFill>
+          <a:schemeClr val="lt1">
+            <a:alpha val="90000"/>
+            <a:hueOff val="0"/>
+            <a:satOff val="0"/>
+            <a:lumOff val="0"/>
+            <a:alphaOff val="0"/>
+          </a:schemeClr>
+        </a:solidFill>
+        <a:ln w="9525" cap="flat" cmpd="sng" algn="ctr">
+          <a:solidFill>
+            <a:schemeClr val="accent1">
+              <a:hueOff val="0"/>
+              <a:satOff val="0"/>
+              <a:lumOff val="0"/>
+              <a:alphaOff val="0"/>
+            </a:schemeClr>
+          </a:solidFill>
+          <a:prstDash val="solid"/>
+        </a:ln>
+        <a:effectLst/>
+      </dsp:spPr>
+      <dsp:style>
+        <a:lnRef idx="1">
+          <a:scrgbClr r="0" g="0" b="0"/>
+        </a:lnRef>
+        <a:fillRef idx="1">
+          <a:scrgbClr r="0" g="0" b="0"/>
+        </a:fillRef>
+        <a:effectRef idx="0">
+          <a:scrgbClr r="0" g="0" b="0"/>
+        </a:effectRef>
+        <a:fontRef idx="minor"/>
+      </dsp:style>
+    </dsp:sp>
+    <dsp:sp modelId="{F4E818C4-1301-4AAC-8C11-36F738C066BF}">
+      <dsp:nvSpPr>
+        <dsp:cNvPr id="0" name=""/>
+        <dsp:cNvSpPr/>
+      </dsp:nvSpPr>
+      <dsp:spPr>
+        <a:xfrm>
+          <a:off x="400050" y="1143300"/>
+          <a:ext cx="5600700" cy="738000"/>
+        </a:xfrm>
+        <a:prstGeom prst="roundRect">
+          <a:avLst/>
+        </a:prstGeom>
+        <a:gradFill rotWithShape="0">
+          <a:gsLst>
+            <a:gs pos="0">
+              <a:schemeClr val="accent1">
+                <a:hueOff val="0"/>
+                <a:satOff val="0"/>
+                <a:lumOff val="0"/>
+                <a:alphaOff val="0"/>
+                <a:tint val="0"/>
+              </a:schemeClr>
+            </a:gs>
+            <a:gs pos="44000">
+              <a:schemeClr val="accent1">
+                <a:hueOff val="0"/>
+                <a:satOff val="0"/>
+                <a:lumOff val="0"/>
+                <a:alphaOff val="0"/>
+                <a:tint val="60000"/>
+                <a:satMod val="120000"/>
+              </a:schemeClr>
+            </a:gs>
+            <a:gs pos="100000">
+              <a:schemeClr val="accent1">
+                <a:hueOff val="0"/>
+                <a:satOff val="0"/>
+                <a:lumOff val="0"/>
+                <a:alphaOff val="0"/>
+                <a:tint val="90000"/>
+                <a:alpha val="100000"/>
+                <a:lumMod val="90000"/>
+              </a:schemeClr>
+            </a:gs>
+          </a:gsLst>
+          <a:lin ang="5400000" scaled="0"/>
+        </a:gradFill>
+        <a:ln>
+          <a:noFill/>
+        </a:ln>
+        <a:effectLst/>
+        <a:scene3d>
+          <a:camera prst="orthographicFront"/>
+          <a:lightRig rig="flat" dir="t"/>
+        </a:scene3d>
+        <a:sp3d prstMaterial="dkEdge">
+          <a:bevelT w="8200" h="38100"/>
+        </a:sp3d>
+      </dsp:spPr>
+      <dsp:style>
+        <a:lnRef idx="0">
+          <a:scrgbClr r="0" g="0" b="0"/>
+        </a:lnRef>
+        <a:fillRef idx="2">
+          <a:scrgbClr r="0" g="0" b="0"/>
+        </a:fillRef>
+        <a:effectRef idx="1">
+          <a:scrgbClr r="0" g="0" b="0"/>
+        </a:effectRef>
+        <a:fontRef idx="minor">
+          <a:schemeClr val="dk1"/>
+        </a:fontRef>
+      </dsp:style>
+      <dsp:txBody>
+        <a:bodyPr spcFirstLastPara="0" vert="horz" wrap="square" lIns="211693" tIns="0" rIns="211693" bIns="0" numCol="1" spcCol="1270" anchor="ctr" anchorCtr="0">
+          <a:noAutofit/>
+        </a:bodyPr>
+        <a:lstStyle/>
+        <a:p>
+          <a:pPr lvl="0" algn="l" defTabSz="1111250">
+            <a:lnSpc>
+              <a:spcPct val="90000"/>
+            </a:lnSpc>
+            <a:spcBef>
+              <a:spcPct val="0"/>
+            </a:spcBef>
+            <a:spcAft>
+              <a:spcPct val="35000"/>
+            </a:spcAft>
+          </a:pPr>
+          <a:r>
+            <a:rPr lang="en-US" sz="2500" kern="1200" smtClean="0">
+              <a:solidFill>
+                <a:schemeClr val="tx1"/>
+              </a:solidFill>
+            </a:rPr>
+            <a:t>2. Trình Bày Giải Pháp:</a:t>
+          </a:r>
+          <a:endParaRPr lang="en-US" sz="2500" kern="1200">
+            <a:solidFill>
+              <a:schemeClr val="tx1"/>
+            </a:solidFill>
+          </a:endParaRPr>
+        </a:p>
+      </dsp:txBody>
+      <dsp:txXfrm>
+        <a:off x="436076" y="1179326"/>
+        <a:ext cx="5528648" cy="665948"/>
+      </dsp:txXfrm>
+    </dsp:sp>
+    <dsp:sp modelId="{F4F6E23B-F618-49F7-95D5-7A336CFE797E}">
+      <dsp:nvSpPr>
+        <dsp:cNvPr id="0" name=""/>
+        <dsp:cNvSpPr/>
+      </dsp:nvSpPr>
+      <dsp:spPr>
+        <a:xfrm>
+          <a:off x="0" y="2646300"/>
+          <a:ext cx="8001000" cy="630000"/>
+        </a:xfrm>
+        <a:prstGeom prst="rect">
+          <a:avLst/>
+        </a:prstGeom>
+        <a:solidFill>
+          <a:schemeClr val="lt1">
+            <a:alpha val="90000"/>
+            <a:hueOff val="0"/>
+            <a:satOff val="0"/>
+            <a:lumOff val="0"/>
+            <a:alphaOff val="0"/>
+          </a:schemeClr>
+        </a:solidFill>
+        <a:ln w="9525" cap="flat" cmpd="sng" algn="ctr">
+          <a:solidFill>
+            <a:schemeClr val="accent1">
+              <a:hueOff val="0"/>
+              <a:satOff val="0"/>
+              <a:lumOff val="0"/>
+              <a:alphaOff val="0"/>
+            </a:schemeClr>
+          </a:solidFill>
+          <a:prstDash val="solid"/>
+        </a:ln>
+        <a:effectLst/>
+      </dsp:spPr>
+      <dsp:style>
+        <a:lnRef idx="1">
+          <a:scrgbClr r="0" g="0" b="0"/>
+        </a:lnRef>
+        <a:fillRef idx="1">
+          <a:scrgbClr r="0" g="0" b="0"/>
+        </a:fillRef>
+        <a:effectRef idx="0">
+          <a:scrgbClr r="0" g="0" b="0"/>
+        </a:effectRef>
+        <a:fontRef idx="minor"/>
+      </dsp:style>
+    </dsp:sp>
+    <dsp:sp modelId="{CE509494-813D-43D6-9CA1-00AFD1EFA114}">
+      <dsp:nvSpPr>
+        <dsp:cNvPr id="0" name=""/>
+        <dsp:cNvSpPr/>
+      </dsp:nvSpPr>
+      <dsp:spPr>
+        <a:xfrm>
+          <a:off x="400050" y="2277300"/>
+          <a:ext cx="5600700" cy="738000"/>
+        </a:xfrm>
+        <a:prstGeom prst="roundRect">
+          <a:avLst/>
+        </a:prstGeom>
+        <a:gradFill rotWithShape="0">
+          <a:gsLst>
+            <a:gs pos="0">
+              <a:schemeClr val="accent1">
+                <a:hueOff val="0"/>
+                <a:satOff val="0"/>
+                <a:lumOff val="0"/>
+                <a:alphaOff val="0"/>
+                <a:tint val="0"/>
+              </a:schemeClr>
+            </a:gs>
+            <a:gs pos="44000">
+              <a:schemeClr val="accent1">
+                <a:hueOff val="0"/>
+                <a:satOff val="0"/>
+                <a:lumOff val="0"/>
+                <a:alphaOff val="0"/>
+                <a:tint val="60000"/>
+                <a:satMod val="120000"/>
+              </a:schemeClr>
+            </a:gs>
+            <a:gs pos="100000">
+              <a:schemeClr val="accent1">
+                <a:hueOff val="0"/>
+                <a:satOff val="0"/>
+                <a:lumOff val="0"/>
+                <a:alphaOff val="0"/>
+                <a:tint val="90000"/>
+                <a:alpha val="100000"/>
+                <a:lumMod val="90000"/>
+              </a:schemeClr>
+            </a:gs>
+          </a:gsLst>
+          <a:lin ang="5400000" scaled="0"/>
+        </a:gradFill>
+        <a:ln>
+          <a:noFill/>
+        </a:ln>
+        <a:effectLst/>
+        <a:scene3d>
+          <a:camera prst="orthographicFront"/>
+          <a:lightRig rig="flat" dir="t"/>
+        </a:scene3d>
+        <a:sp3d prstMaterial="dkEdge">
+          <a:bevelT w="8200" h="38100"/>
+        </a:sp3d>
+      </dsp:spPr>
+      <dsp:style>
+        <a:lnRef idx="0">
+          <a:scrgbClr r="0" g="0" b="0"/>
+        </a:lnRef>
+        <a:fillRef idx="2">
+          <a:scrgbClr r="0" g="0" b="0"/>
+        </a:fillRef>
+        <a:effectRef idx="1">
+          <a:scrgbClr r="0" g="0" b="0"/>
+        </a:effectRef>
+        <a:fontRef idx="minor">
+          <a:schemeClr val="dk1"/>
+        </a:fontRef>
+      </dsp:style>
+      <dsp:txBody>
+        <a:bodyPr spcFirstLastPara="0" vert="horz" wrap="square" lIns="211693" tIns="0" rIns="211693" bIns="0" numCol="1" spcCol="1270" anchor="ctr" anchorCtr="0">
+          <a:noAutofit/>
+        </a:bodyPr>
+        <a:lstStyle/>
+        <a:p>
+          <a:pPr lvl="0" algn="l" defTabSz="1111250">
+            <a:lnSpc>
+              <a:spcPct val="90000"/>
+            </a:lnSpc>
+            <a:spcBef>
+              <a:spcPct val="0"/>
+            </a:spcBef>
+            <a:spcAft>
+              <a:spcPct val="35000"/>
+            </a:spcAft>
+          </a:pPr>
+          <a:r>
+            <a:rPr lang="en-US" sz="2500" kern="1200" smtClean="0">
+              <a:solidFill>
+                <a:schemeClr val="tx1"/>
+              </a:solidFill>
+            </a:rPr>
+            <a:t>3. Kết Quả Đạt Được</a:t>
+          </a:r>
+          <a:endParaRPr lang="en-US" sz="2500" kern="1200">
+            <a:solidFill>
+              <a:schemeClr val="tx1"/>
+            </a:solidFill>
+          </a:endParaRPr>
+        </a:p>
+      </dsp:txBody>
+      <dsp:txXfrm>
+        <a:off x="436076" y="2313326"/>
+        <a:ext cx="5528648" cy="665948"/>
+      </dsp:txXfrm>
+    </dsp:sp>
+    <dsp:sp modelId="{D1D67E23-8B96-4B7F-85A1-36BA0219EB2B}">
+      <dsp:nvSpPr>
+        <dsp:cNvPr id="0" name=""/>
+        <dsp:cNvSpPr/>
+      </dsp:nvSpPr>
+      <dsp:spPr>
+        <a:xfrm>
+          <a:off x="0" y="3780300"/>
+          <a:ext cx="8001000" cy="630000"/>
+        </a:xfrm>
+        <a:prstGeom prst="rect">
+          <a:avLst/>
+        </a:prstGeom>
+        <a:solidFill>
+          <a:schemeClr val="lt1">
+            <a:alpha val="90000"/>
+            <a:hueOff val="0"/>
+            <a:satOff val="0"/>
+            <a:lumOff val="0"/>
+            <a:alphaOff val="0"/>
+          </a:schemeClr>
+        </a:solidFill>
+        <a:ln w="9525" cap="flat" cmpd="sng" algn="ctr">
+          <a:solidFill>
+            <a:schemeClr val="accent1">
+              <a:hueOff val="0"/>
+              <a:satOff val="0"/>
+              <a:lumOff val="0"/>
+              <a:alphaOff val="0"/>
+            </a:schemeClr>
+          </a:solidFill>
+          <a:prstDash val="solid"/>
+        </a:ln>
+        <a:effectLst/>
+      </dsp:spPr>
+      <dsp:style>
+        <a:lnRef idx="1">
+          <a:scrgbClr r="0" g="0" b="0"/>
+        </a:lnRef>
+        <a:fillRef idx="1">
+          <a:scrgbClr r="0" g="0" b="0"/>
+        </a:fillRef>
+        <a:effectRef idx="0">
+          <a:scrgbClr r="0" g="0" b="0"/>
+        </a:effectRef>
+        <a:fontRef idx="minor"/>
+      </dsp:style>
+    </dsp:sp>
+    <dsp:sp modelId="{7374617B-3EE5-41C2-A9BD-B54A95C72990}">
+      <dsp:nvSpPr>
+        <dsp:cNvPr id="0" name=""/>
+        <dsp:cNvSpPr/>
+      </dsp:nvSpPr>
+      <dsp:spPr>
+        <a:xfrm>
+          <a:off x="400050" y="3411300"/>
+          <a:ext cx="5600700" cy="738000"/>
+        </a:xfrm>
+        <a:prstGeom prst="roundRect">
+          <a:avLst/>
+        </a:prstGeom>
+        <a:gradFill rotWithShape="0">
+          <a:gsLst>
+            <a:gs pos="0">
+              <a:schemeClr val="accent1">
+                <a:hueOff val="0"/>
+                <a:satOff val="0"/>
+                <a:lumOff val="0"/>
+                <a:alphaOff val="0"/>
+                <a:tint val="0"/>
+              </a:schemeClr>
+            </a:gs>
+            <a:gs pos="44000">
+              <a:schemeClr val="accent1">
+                <a:hueOff val="0"/>
+                <a:satOff val="0"/>
+                <a:lumOff val="0"/>
+                <a:alphaOff val="0"/>
+                <a:tint val="60000"/>
+                <a:satMod val="120000"/>
+              </a:schemeClr>
+            </a:gs>
+            <a:gs pos="100000">
+              <a:schemeClr val="accent1">
+                <a:hueOff val="0"/>
+                <a:satOff val="0"/>
+                <a:lumOff val="0"/>
+                <a:alphaOff val="0"/>
+                <a:tint val="90000"/>
+                <a:alpha val="100000"/>
+                <a:lumMod val="90000"/>
+              </a:schemeClr>
+            </a:gs>
+          </a:gsLst>
+          <a:lin ang="5400000" scaled="0"/>
+        </a:gradFill>
+        <a:ln>
+          <a:noFill/>
+        </a:ln>
+        <a:effectLst/>
+        <a:scene3d>
+          <a:camera prst="orthographicFront"/>
+          <a:lightRig rig="flat" dir="t"/>
+        </a:scene3d>
+        <a:sp3d prstMaterial="dkEdge">
+          <a:bevelT w="8200" h="38100"/>
+        </a:sp3d>
+      </dsp:spPr>
+      <dsp:style>
+        <a:lnRef idx="0">
+          <a:scrgbClr r="0" g="0" b="0"/>
+        </a:lnRef>
+        <a:fillRef idx="2">
+          <a:scrgbClr r="0" g="0" b="0"/>
+        </a:fillRef>
+        <a:effectRef idx="1">
+          <a:scrgbClr r="0" g="0" b="0"/>
+        </a:effectRef>
+        <a:fontRef idx="minor">
+          <a:schemeClr val="dk1"/>
+        </a:fontRef>
+      </dsp:style>
+      <dsp:txBody>
+        <a:bodyPr spcFirstLastPara="0" vert="horz" wrap="square" lIns="211693" tIns="0" rIns="211693" bIns="0" numCol="1" spcCol="1270" anchor="ctr" anchorCtr="0">
+          <a:noAutofit/>
+        </a:bodyPr>
+        <a:lstStyle/>
+        <a:p>
+          <a:pPr lvl="0" algn="l" defTabSz="1111250">
+            <a:lnSpc>
+              <a:spcPct val="90000"/>
+            </a:lnSpc>
+            <a:spcBef>
+              <a:spcPct val="0"/>
+            </a:spcBef>
+            <a:spcAft>
+              <a:spcPct val="35000"/>
+            </a:spcAft>
+          </a:pPr>
+          <a:r>
+            <a:rPr lang="en-US" sz="2500" kern="1200" smtClean="0">
+              <a:solidFill>
+                <a:srgbClr val="FF0000"/>
+              </a:solidFill>
+            </a:rPr>
+            <a:t>4. kết Luận &amp; Kiến Nghị</a:t>
+          </a:r>
+          <a:endParaRPr lang="en-US" sz="2500" kern="1200">
+            <a:solidFill>
+              <a:srgbClr val="FF0000"/>
+            </a:solidFill>
+          </a:endParaRPr>
+        </a:p>
+      </dsp:txBody>
+      <dsp:txXfrm>
+        <a:off x="436076" y="3447326"/>
+        <a:ext cx="5528648" cy="665948"/>
+      </dsp:txXfrm>
+    </dsp:sp>
   </dsp:spTree>
 </dsp:drawing>
 </file>
@@ -27867,25 +28503,334 @@
           <a:chExt cx="0" cy="0"/>
         </a:xfrm>
       </p:grpSpPr>
-      <p:sp>
-        <p:nvSpPr>
-          <p:cNvPr id="3" name="Content Placeholder 2"/>
-          <p:cNvSpPr>
-            <a:spLocks noGrp="1"/>
-          </p:cNvSpPr>
+      <p:graphicFrame>
+        <p:nvGraphicFramePr>
+          <p:cNvPr id="4" name="Content Placeholder 3"/>
+          <p:cNvGraphicFramePr>
+            <a:graphicFrameLocks noGrp="1"/>
+          </p:cNvGraphicFramePr>
           <p:nvPr>
             <p:ph idx="1"/>
+            <p:extLst>
+              <p:ext uri="{D42A27DB-BD31-4B8C-83A1-F6EECF244321}">
+                <p14:modId xmlns:p14="http://schemas.microsoft.com/office/powerpoint/2010/main" val="2421514947"/>
+              </p:ext>
+            </p:extLst>
           </p:nvPr>
-        </p:nvSpPr>
-        <p:spPr/>
-        <p:txBody>
-          <a:bodyPr/>
-          <a:lstStyle/>
-          <a:p>
-            <a:endParaRPr lang="en-US"/>
-          </a:p>
-        </p:txBody>
-      </p:sp>
+        </p:nvGraphicFramePr>
+        <p:xfrm>
+          <a:off x="381000" y="2971800"/>
+          <a:ext cx="8305800" cy="2026920"/>
+        </p:xfrm>
+        <a:graphic>
+          <a:graphicData uri="http://schemas.openxmlformats.org/drawingml/2006/table">
+            <a:tbl>
+              <a:tblPr firstRow="1" bandRow="1">
+                <a:tableStyleId>{5C22544A-7EE6-4342-B048-85BDC9FD1C3A}</a:tableStyleId>
+              </a:tblPr>
+              <a:tblGrid>
+                <a:gridCol w="2133600"/>
+                <a:gridCol w="2971800"/>
+                <a:gridCol w="3200400"/>
+              </a:tblGrid>
+              <a:tr h="370840">
+                <a:tc>
+                  <a:txBody>
+                    <a:bodyPr/>
+                    <a:lstStyle/>
+                    <a:p>
+                      <a:pPr algn="ctr"/>
+                      <a:r>
+                        <a:rPr lang="en-US" dirty="0" err="1" smtClean="0"/>
+                        <a:t>Giờ</a:t>
+                      </a:r>
+                      <a:r>
+                        <a:rPr lang="en-US" smtClean="0"/>
+                        <a:t> quay</a:t>
+                      </a:r>
+                      <a:endParaRPr lang="en-US" dirty="0"/>
+                    </a:p>
+                  </a:txBody>
+                  <a:tcPr/>
+                </a:tc>
+                <a:tc>
+                  <a:txBody>
+                    <a:bodyPr/>
+                    <a:lstStyle/>
+                    <a:p>
+                      <a:pPr algn="ctr"/>
+                      <a:r>
+                        <a:rPr lang="en-US" dirty="0" err="1" smtClean="0"/>
+                        <a:t>Phân</a:t>
+                      </a:r>
+                      <a:r>
+                        <a:rPr lang="en-US" baseline="0" dirty="0" smtClean="0"/>
+                        <a:t> </a:t>
+                      </a:r>
+                      <a:r>
+                        <a:rPr lang="en-US" baseline="0" dirty="0" err="1" smtClean="0"/>
+                        <a:t>cảnh</a:t>
+                      </a:r>
+                      <a:endParaRPr lang="en-US" dirty="0"/>
+                    </a:p>
+                  </a:txBody>
+                  <a:tcPr/>
+                </a:tc>
+                <a:tc>
+                  <a:txBody>
+                    <a:bodyPr/>
+                    <a:lstStyle/>
+                    <a:p>
+                      <a:pPr algn="ctr"/>
+                      <a:r>
+                        <a:rPr lang="en-US" dirty="0" err="1" smtClean="0"/>
+                        <a:t>Chổ</a:t>
+                      </a:r>
+                      <a:r>
+                        <a:rPr lang="en-US" dirty="0" smtClean="0"/>
+                        <a:t> quay</a:t>
+                      </a:r>
+                      <a:endParaRPr lang="en-US" dirty="0"/>
+                    </a:p>
+                  </a:txBody>
+                  <a:tcPr/>
+                </a:tc>
+              </a:tr>
+              <a:tr h="370840">
+                <a:tc>
+                  <a:txBody>
+                    <a:bodyPr/>
+                    <a:lstStyle/>
+                    <a:p>
+                      <a:pPr algn="ctr"/>
+                      <a:r>
+                        <a:rPr lang="en-US" dirty="0" smtClean="0"/>
+                        <a:t>9h-10h</a:t>
+                      </a:r>
+                      <a:endParaRPr lang="en-US" dirty="0"/>
+                    </a:p>
+                  </a:txBody>
+                  <a:tcPr/>
+                </a:tc>
+                <a:tc>
+                  <a:txBody>
+                    <a:bodyPr/>
+                    <a:lstStyle/>
+                    <a:p>
+                      <a:pPr marL="285750" indent="-285750" algn="ctr">
+                        <a:buFont typeface="Arial" pitchFamily="34" charset="0"/>
+                        <a:buChar char="•"/>
+                      </a:pPr>
+                      <a:r>
+                        <a:rPr lang="en-US" sz="1800" dirty="0" err="1" smtClean="0"/>
+                        <a:t>Huỳnh</a:t>
+                      </a:r>
+                      <a:r>
+                        <a:rPr lang="en-US" sz="1800" baseline="0" dirty="0" smtClean="0"/>
+                        <a:t> </a:t>
+                      </a:r>
+                      <a:r>
+                        <a:rPr lang="en-US" sz="1800" baseline="0" dirty="0" err="1" smtClean="0"/>
+                        <a:t>Tấn</a:t>
+                      </a:r>
+                      <a:r>
+                        <a:rPr lang="en-US" sz="1800" baseline="0" dirty="0" smtClean="0"/>
+                        <a:t> </a:t>
+                      </a:r>
+                      <a:r>
+                        <a:rPr lang="en-US" sz="1800" baseline="0" dirty="0" err="1" smtClean="0"/>
+                        <a:t>Đạt</a:t>
+                      </a:r>
+                      <a:r>
+                        <a:rPr lang="en-US" sz="1800" baseline="0" dirty="0" smtClean="0"/>
+                        <a:t>(quay clip)</a:t>
+                      </a:r>
+                    </a:p>
+                    <a:p>
+                      <a:pPr marL="285750" indent="-285750" algn="ctr">
+                        <a:buFont typeface="Arial" pitchFamily="34" charset="0"/>
+                        <a:buChar char="•"/>
+                      </a:pPr>
+                      <a:r>
+                        <a:rPr lang="en-US" sz="1800" baseline="0" dirty="0" err="1" smtClean="0"/>
+                        <a:t>Khiêm,thanh,hoàng,nhựt</a:t>
+                      </a:r>
+                      <a:r>
+                        <a:rPr lang="en-US" sz="1800" baseline="0" dirty="0" smtClean="0"/>
+                        <a:t>(</a:t>
+                      </a:r>
+                      <a:r>
+                        <a:rPr lang="en-US" sz="1800" baseline="0" dirty="0" err="1" smtClean="0"/>
+                        <a:t>diển</a:t>
+                      </a:r>
+                      <a:r>
+                        <a:rPr lang="en-US" sz="1800" baseline="0" dirty="0" smtClean="0"/>
+                        <a:t> </a:t>
+                      </a:r>
+                      <a:r>
+                        <a:rPr lang="en-US" sz="1800" baseline="0" dirty="0" err="1" smtClean="0"/>
+                        <a:t>viên</a:t>
+                      </a:r>
+                      <a:r>
+                        <a:rPr lang="en-US" sz="1800" baseline="0" dirty="0" smtClean="0"/>
+                        <a:t>)</a:t>
+                      </a:r>
+                      <a:endParaRPr lang="en-US" sz="1800" dirty="0"/>
+                    </a:p>
+                  </a:txBody>
+                  <a:tcPr/>
+                </a:tc>
+                <a:tc>
+                  <a:txBody>
+                    <a:bodyPr/>
+                    <a:lstStyle/>
+                    <a:p>
+                      <a:pPr marL="285750" indent="-285750" algn="ctr">
+                        <a:buFont typeface="Arial" pitchFamily="34" charset="0"/>
+                        <a:buChar char="•"/>
+                      </a:pPr>
+                      <a:r>
+                        <a:rPr lang="en-US" sz="1800" dirty="0" err="1" smtClean="0"/>
+                        <a:t>Công</a:t>
+                      </a:r>
+                      <a:r>
+                        <a:rPr lang="en-US" sz="1800" baseline="0" dirty="0" smtClean="0"/>
+                        <a:t> </a:t>
+                      </a:r>
+                      <a:r>
+                        <a:rPr lang="en-US" sz="1800" baseline="0" dirty="0" err="1" smtClean="0"/>
+                        <a:t>viên</a:t>
+                      </a:r>
+                      <a:r>
+                        <a:rPr lang="en-US" sz="1800" baseline="0" dirty="0" smtClean="0"/>
+                        <a:t> </a:t>
+                      </a:r>
+                      <a:r>
+                        <a:rPr lang="en-US" sz="1800" baseline="0" dirty="0" err="1" smtClean="0"/>
+                        <a:t>trường</a:t>
+                      </a:r>
+                      <a:r>
+                        <a:rPr lang="en-US" sz="1800" baseline="0" dirty="0" smtClean="0"/>
+                        <a:t> </a:t>
+                      </a:r>
+                      <a:r>
+                        <a:rPr lang="en-US" sz="1800" baseline="0" dirty="0" err="1" smtClean="0"/>
+                        <a:t>cao</a:t>
+                      </a:r>
+                      <a:r>
+                        <a:rPr lang="en-US" sz="1800" baseline="0" dirty="0" smtClean="0"/>
+                        <a:t> </a:t>
+                      </a:r>
+                      <a:r>
+                        <a:rPr lang="en-US" sz="1800" baseline="0" dirty="0" err="1" smtClean="0"/>
+                        <a:t>đẳng</a:t>
+                      </a:r>
+                      <a:r>
+                        <a:rPr lang="en-US" sz="1800" baseline="0" dirty="0" smtClean="0"/>
+                        <a:t> </a:t>
+                      </a:r>
+                      <a:r>
+                        <a:rPr lang="en-US" sz="1800" baseline="0" dirty="0" err="1" smtClean="0"/>
+                        <a:t>công</a:t>
+                      </a:r>
+                      <a:r>
+                        <a:rPr lang="en-US" sz="1800" baseline="0" dirty="0" smtClean="0"/>
+                        <a:t> </a:t>
+                      </a:r>
+                      <a:r>
+                        <a:rPr lang="en-US" sz="1800" baseline="0" dirty="0" err="1" smtClean="0"/>
+                        <a:t>nghệ</a:t>
+                      </a:r>
+                      <a:r>
+                        <a:rPr lang="en-US" sz="1800" baseline="0" dirty="0" smtClean="0"/>
+                        <a:t> </a:t>
+                      </a:r>
+                      <a:r>
+                        <a:rPr lang="en-US" sz="1800" baseline="0" dirty="0" err="1" smtClean="0"/>
+                        <a:t>thủ</a:t>
+                      </a:r>
+                      <a:r>
+                        <a:rPr lang="en-US" sz="1800" baseline="0" dirty="0" smtClean="0"/>
+                        <a:t> </a:t>
+                      </a:r>
+                      <a:r>
+                        <a:rPr lang="en-US" sz="1800" baseline="0" dirty="0" err="1" smtClean="0"/>
+                        <a:t>đức</a:t>
+                      </a:r>
+                      <a:endParaRPr lang="en-US" sz="1800" dirty="0"/>
+                    </a:p>
+                  </a:txBody>
+                  <a:tcPr/>
+                </a:tc>
+              </a:tr>
+              <a:tr h="370840">
+                <a:tc>
+                  <a:txBody>
+                    <a:bodyPr/>
+                    <a:lstStyle/>
+                    <a:p>
+                      <a:endParaRPr lang="en-US" dirty="0"/>
+                    </a:p>
+                  </a:txBody>
+                  <a:tcPr/>
+                </a:tc>
+                <a:tc>
+                  <a:txBody>
+                    <a:bodyPr/>
+                    <a:lstStyle/>
+                    <a:p>
+                      <a:endParaRPr lang="en-US" dirty="0"/>
+                    </a:p>
+                  </a:txBody>
+                  <a:tcPr/>
+                </a:tc>
+                <a:tc>
+                  <a:txBody>
+                    <a:bodyPr/>
+                    <a:lstStyle/>
+                    <a:p>
+                      <a:endParaRPr lang="en-US"/>
+                    </a:p>
+                  </a:txBody>
+                  <a:tcPr/>
+                </a:tc>
+              </a:tr>
+              <a:tr h="370840">
+                <a:tc>
+                  <a:txBody>
+                    <a:bodyPr/>
+                    <a:lstStyle/>
+                    <a:p>
+                      <a:endParaRPr lang="en-US" dirty="0"/>
+                    </a:p>
+                  </a:txBody>
+                  <a:tcPr/>
+                </a:tc>
+                <a:tc>
+                  <a:txBody>
+                    <a:bodyPr/>
+                    <a:lstStyle/>
+                    <a:p>
+                      <a:endParaRPr lang="en-US" dirty="0"/>
+                    </a:p>
+                  </a:txBody>
+                  <a:tcPr/>
+                </a:tc>
+                <a:tc>
+                  <a:txBody>
+                    <a:bodyPr/>
+                    <a:lstStyle/>
+                    <a:p>
+                      <a:endParaRPr lang="en-US" dirty="0"/>
+                    </a:p>
+                  </a:txBody>
+                  <a:tcPr/>
+                </a:tc>
+              </a:tr>
+            </a:tbl>
+          </a:graphicData>
+        </a:graphic>
+      </p:graphicFrame>
       <p:sp>
         <p:nvSpPr>
           <p:cNvPr id="2" name="Title 1"/>
@@ -27898,10 +28843,40 @@
         </p:nvSpPr>
         <p:spPr/>
         <p:txBody>
-          <a:bodyPr/>
+          <a:bodyPr>
+            <a:normAutofit/>
+          </a:bodyPr>
           <a:lstStyle/>
           <a:p>
-            <a:endParaRPr lang="en-US"/>
+            <a:r>
+              <a:rPr lang="en-US" sz="5400" dirty="0" err="1" smtClean="0">
+                <a:solidFill>
+                  <a:srgbClr val="FFC000"/>
+                </a:solidFill>
+              </a:rPr>
+              <a:t>Kịch</a:t>
+            </a:r>
+            <a:r>
+              <a:rPr lang="en-US" sz="5400" dirty="0" smtClean="0">
+                <a:solidFill>
+                  <a:srgbClr val="FFC000"/>
+                </a:solidFill>
+              </a:rPr>
+              <a:t> </a:t>
+            </a:r>
+            <a:r>
+              <a:rPr lang="en-US" sz="5400" dirty="0" err="1" smtClean="0">
+                <a:solidFill>
+                  <a:srgbClr val="FFC000"/>
+                </a:solidFill>
+              </a:rPr>
+              <a:t>bản</a:t>
+            </a:r>
+            <a:endParaRPr lang="en-US" sz="5400" dirty="0">
+              <a:solidFill>
+                <a:srgbClr val="FFC000"/>
+              </a:solidFill>
+            </a:endParaRPr>
           </a:p>
         </p:txBody>
       </p:sp>
